--- a/NLP_Project.pptx
+++ b/NLP_Project.pptx
@@ -17099,8 +17099,8 @@
         </p:nvSpPr>
         <p:spPr>
           <a:xfrm>
-            <a:off x="1097280" y="1845733"/>
-            <a:ext cx="10058400" cy="1313103"/>
+            <a:off x="478302" y="1845733"/>
+            <a:ext cx="4543864" cy="1313103"/>
           </a:xfrm>
           <a:prstGeom prst="rect">
             <a:avLst/>
@@ -17256,8 +17256,8 @@
         </p:blipFill>
         <p:spPr bwMode="auto">
           <a:xfrm>
-            <a:off x="4862763" y="3388650"/>
-            <a:ext cx="6812128" cy="2554548"/>
+            <a:off x="5082766" y="4203065"/>
+            <a:ext cx="3855451" cy="2018485"/>
           </a:xfrm>
           <a:prstGeom prst="rect">
             <a:avLst/>
@@ -17288,8 +17288,8 @@
         </p:nvSpPr>
         <p:spPr>
           <a:xfrm>
-            <a:off x="1036320" y="2896209"/>
-            <a:ext cx="3687156" cy="3785652"/>
+            <a:off x="379827" y="3618474"/>
+            <a:ext cx="4371784" cy="3046988"/>
           </a:xfrm>
           <a:prstGeom prst="rect">
             <a:avLst/>
@@ -17401,6 +17401,96 @@
           </a:p>
         </p:txBody>
       </p:sp>
+      <p:pic>
+        <p:nvPicPr>
+          <p:cNvPr id="3" name="Picture 2">
+            <a:extLst>
+              <a:ext uri="{FF2B5EF4-FFF2-40B4-BE49-F238E27FC236}">
+                <a16:creationId xmlns:a16="http://schemas.microsoft.com/office/drawing/2014/main" id="{907DD099-E76C-DD02-3A22-A73A570AE738}"/>
+              </a:ext>
+            </a:extLst>
+          </p:cNvPr>
+          <p:cNvPicPr>
+            <a:picLocks noChangeAspect="1"/>
+          </p:cNvPicPr>
+          <p:nvPr/>
+        </p:nvPicPr>
+        <p:blipFill>
+          <a:blip r:embed="rId6"/>
+          <a:stretch>
+            <a:fillRect/>
+          </a:stretch>
+        </p:blipFill>
+        <p:spPr>
+          <a:xfrm>
+            <a:off x="5264394" y="1279146"/>
+            <a:ext cx="3771900" cy="2330450"/>
+          </a:xfrm>
+          <a:prstGeom prst="rect">
+            <a:avLst/>
+          </a:prstGeom>
+        </p:spPr>
+      </p:pic>
+      <p:pic>
+        <p:nvPicPr>
+          <p:cNvPr id="4" name="Picture 3">
+            <a:extLst>
+              <a:ext uri="{FF2B5EF4-FFF2-40B4-BE49-F238E27FC236}">
+                <a16:creationId xmlns:a16="http://schemas.microsoft.com/office/drawing/2014/main" id="{0727DE5C-8F6B-40CF-5670-5B61CEBD0384}"/>
+              </a:ext>
+            </a:extLst>
+          </p:cNvPr>
+          <p:cNvPicPr>
+            <a:picLocks noChangeAspect="1"/>
+          </p:cNvPicPr>
+          <p:nvPr/>
+        </p:nvPicPr>
+        <p:blipFill>
+          <a:blip r:embed="rId7"/>
+          <a:stretch>
+            <a:fillRect/>
+          </a:stretch>
+        </p:blipFill>
+        <p:spPr>
+          <a:xfrm>
+            <a:off x="9134371" y="2461950"/>
+            <a:ext cx="2905891" cy="3812094"/>
+          </a:xfrm>
+          <a:prstGeom prst="rect">
+            <a:avLst/>
+          </a:prstGeom>
+        </p:spPr>
+      </p:pic>
+      <p:pic>
+        <p:nvPicPr>
+          <p:cNvPr id="5" name="Picture 4">
+            <a:extLst>
+              <a:ext uri="{FF2B5EF4-FFF2-40B4-BE49-F238E27FC236}">
+                <a16:creationId xmlns:a16="http://schemas.microsoft.com/office/drawing/2014/main" id="{A52CE83E-87CC-29CB-D130-5F0467254837}"/>
+              </a:ext>
+            </a:extLst>
+          </p:cNvPr>
+          <p:cNvPicPr>
+            <a:picLocks noChangeAspect="1"/>
+          </p:cNvPicPr>
+          <p:nvPr/>
+        </p:nvPicPr>
+        <p:blipFill>
+          <a:blip r:embed="rId8"/>
+          <a:stretch>
+            <a:fillRect/>
+          </a:stretch>
+        </p:blipFill>
+        <p:spPr>
+          <a:xfrm>
+            <a:off x="8900567" y="1138253"/>
+            <a:ext cx="3201490" cy="1346081"/>
+          </a:xfrm>
+          <a:prstGeom prst="rect">
+            <a:avLst/>
+          </a:prstGeom>
+        </p:spPr>
+      </p:pic>
     </p:spTree>
   </p:cSld>
   <p:clrMapOvr>
@@ -20553,7 +20643,7 @@
           <a:lstStyle/>
           <a:p>
             <a:r>
-              <a:rPr lang="en-US" sz="1800" dirty="0">
+              <a:rPr lang="en-US" sz="1600" dirty="0">
                 <a:solidFill>
                   <a:srgbClr val="124163"/>
                 </a:solidFill>
@@ -20561,11 +20651,11 @@
                 <a:ea typeface="Calibri"/>
                 <a:cs typeface="Calibri"/>
               </a:rPr>
-              <a:t>We achieved 74.4% overall execution accuracy. Comparatively, the authors of the original paper achieved overall accuracy of 86.2%</a:t>
+              <a:t>We achieved 74.4% overall execution accuracy although we had a smaller dataset due to rate limiting on the API as well as cost. Comparatively, the authors of the original paper achieved overall execution accuracy of 86.2%</a:t>
             </a:r>
           </a:p>
           <a:p>
-            <a:endParaRPr lang="en-US" sz="1800" dirty="0">
+            <a:endParaRPr lang="en-US" sz="1600" dirty="0">
               <a:solidFill>
                 <a:srgbClr val="124163"/>
               </a:solidFill>
@@ -20577,7 +20667,7 @@
           </a:p>
           <a:p>
             <a:r>
-              <a:rPr lang="en-US" sz="1800" dirty="0">
+              <a:rPr lang="en-US" sz="1600" dirty="0">
                 <a:solidFill>
                   <a:srgbClr val="124163"/>
                 </a:solidFill>
@@ -20590,7 +20680,7 @@
             </a:r>
           </a:p>
           <a:p>
-            <a:endParaRPr lang="en-US" sz="1800" dirty="0">
+            <a:endParaRPr lang="en-US" sz="1600" dirty="0">
               <a:solidFill>
                 <a:srgbClr val="124163"/>
               </a:solidFill>
@@ -20602,7 +20692,7 @@
           </a:p>
           <a:p>
             <a:r>
-              <a:rPr lang="en-US" sz="1800" dirty="0">
+              <a:rPr lang="en-US" sz="1600" dirty="0">
                 <a:solidFill>
                   <a:srgbClr val="124163"/>
                 </a:solidFill>
@@ -20620,7 +20710,7 @@
               <a:buChar char="•"/>
             </a:pPr>
             <a:r>
-              <a:rPr lang="en-US" sz="1800" dirty="0">
+              <a:rPr lang="en-US" sz="1600" dirty="0">
                 <a:solidFill>
                   <a:srgbClr val="124163"/>
                 </a:solidFill>
@@ -20629,7 +20719,7 @@
                 <a:cs typeface="Calibri"/>
                 <a:sym typeface="Calibri"/>
               </a:rPr>
-              <a:t>providing sample queries in the prompt to teach the LLM what is expected - (DAIL𝑆)</a:t>
+              <a:t>providing sample queries and responses in the prompt to teach the LLM what is expected - (DAIL𝑆)</a:t>
             </a:r>
           </a:p>
           <a:p>
@@ -20638,7 +20728,7 @@
               <a:buChar char="•"/>
             </a:pPr>
             <a:r>
-              <a:rPr lang="en-US" sz="1800" dirty="0">
+              <a:rPr lang="en-US" sz="1600" dirty="0">
                 <a:solidFill>
                   <a:srgbClr val="124163"/>
                 </a:solidFill>
@@ -20655,7 +20745,7 @@
               <a:buFont typeface="Arial" panose="020B0604020202020204" pitchFamily="34" charset="0"/>
               <a:buChar char="•"/>
             </a:pPr>
-            <a:endParaRPr lang="en-US" sz="1800" dirty="0">
+            <a:endParaRPr lang="en-US" sz="1600" dirty="0">
               <a:solidFill>
                 <a:srgbClr val="124163"/>
               </a:solidFill>
@@ -20684,7 +20774,7 @@
               <a:buNone/>
             </a:pPr>
             <a:r>
-              <a:rPr lang="en-US" sz="1900" b="0" i="0" u="none" strike="noStrike" cap="none" dirty="0">
+              <a:rPr lang="en-US" sz="1800" b="0" i="0" u="none" strike="noStrike" cap="none" dirty="0">
                 <a:solidFill>
                   <a:srgbClr val="124163"/>
                 </a:solidFill>
@@ -20695,7 +20785,7 @@
               </a:rPr>
               <a:t>This provides a baseline for future works in this topic to reference</a:t>
             </a:r>
-            <a:endParaRPr sz="1900" b="0" i="0" u="none" strike="noStrike" cap="none" dirty="0">
+            <a:endParaRPr sz="1800" b="0" i="0" u="none" strike="noStrike" cap="none" dirty="0">
               <a:solidFill>
                 <a:srgbClr val="124163"/>
               </a:solidFill>
